--- a/react/ctrlz6-0417.pptx
+++ b/react/ctrlz6-0417.pptx
@@ -5066,7 +5066,7 @@
               <a:t>: </a:t>
             </a:r>
             <a:r>
-              <a:rPr lang="ko-KR" altLang="en-US" dirty="0"/>
+              <a:rPr lang="ko-KR" altLang="en-US" strike="sngStrike" dirty="0"/>
               <a:t>스타일링</a:t>
             </a:r>
             <a:r>
@@ -6292,63 +6292,123 @@
               <a:buNone/>
             </a:pPr>
             <a:r>
-              <a:rPr lang="ko-KR" altLang="en-US" sz="2000" dirty="0"/>
+              <a:rPr lang="ko-KR" altLang="en-US" sz="2000" dirty="0">
+                <a:solidFill>
+                  <a:srgbClr val="FF0000"/>
+                </a:solidFill>
+              </a:rPr>
               <a:t>추가적으로</a:t>
             </a:r>
             <a:r>
-              <a:rPr lang="en-US" altLang="ko-KR" sz="2000" dirty="0"/>
+              <a:rPr lang="en-US" altLang="ko-KR" sz="2000" dirty="0">
+                <a:solidFill>
+                  <a:srgbClr val="FF0000"/>
+                </a:solidFill>
+              </a:rPr>
               <a:t>, </a:t>
             </a:r>
             <a:r>
-              <a:rPr lang="ko-KR" altLang="en-US" sz="2000" dirty="0" err="1"/>
+              <a:rPr lang="ko-KR" altLang="en-US" sz="2000" dirty="0" err="1">
+                <a:solidFill>
+                  <a:srgbClr val="FF0000"/>
+                </a:solidFill>
+              </a:rPr>
               <a:t>어떤걸</a:t>
             </a:r>
             <a:r>
-              <a:rPr lang="ko-KR" altLang="en-US" sz="2000" dirty="0"/>
+              <a:rPr lang="ko-KR" altLang="en-US" sz="2000" dirty="0">
+                <a:solidFill>
+                  <a:srgbClr val="FF0000"/>
+                </a:solidFill>
+              </a:rPr>
               <a:t> 컨테이너로 만들지</a:t>
             </a:r>
             <a:r>
-              <a:rPr lang="en-US" altLang="ko-KR" sz="2000" dirty="0"/>
+              <a:rPr lang="en-US" altLang="ko-KR" sz="2000" dirty="0">
+                <a:solidFill>
+                  <a:srgbClr val="FF0000"/>
+                </a:solidFill>
+              </a:rPr>
               <a:t>, </a:t>
             </a:r>
             <a:r>
-              <a:rPr lang="ko-KR" altLang="en-US" sz="2000" dirty="0"/>
+              <a:rPr lang="ko-KR" altLang="en-US" sz="2000" dirty="0">
+                <a:solidFill>
+                  <a:srgbClr val="FF0000"/>
+                </a:solidFill>
+              </a:rPr>
               <a:t>그리고 이 구조를 사용할지는 여러분의 자유입니다</a:t>
             </a:r>
             <a:r>
-              <a:rPr lang="en-US" altLang="ko-KR" sz="2000" dirty="0"/>
+              <a:rPr lang="en-US" altLang="ko-KR" sz="2000" dirty="0">
+                <a:solidFill>
+                  <a:srgbClr val="FF0000"/>
+                </a:solidFill>
+              </a:rPr>
               <a:t>. </a:t>
             </a:r>
             <a:r>
-              <a:rPr lang="ko-KR" altLang="en-US" sz="2000" dirty="0"/>
+              <a:rPr lang="ko-KR" altLang="en-US" sz="2000" dirty="0">
+                <a:solidFill>
+                  <a:srgbClr val="FF0000"/>
+                </a:solidFill>
+              </a:rPr>
               <a:t>이 구조는 </a:t>
             </a:r>
             <a:r>
-              <a:rPr lang="ko-KR" altLang="en-US" sz="2000" dirty="0" err="1"/>
+              <a:rPr lang="ko-KR" altLang="en-US" sz="2000" dirty="0" err="1">
+                <a:solidFill>
+                  <a:srgbClr val="FF0000"/>
+                </a:solidFill>
+              </a:rPr>
               <a:t>리덕스의</a:t>
             </a:r>
             <a:r>
-              <a:rPr lang="ko-KR" altLang="en-US" sz="2000" dirty="0"/>
+              <a:rPr lang="ko-KR" altLang="en-US" sz="2000" dirty="0">
+                <a:solidFill>
+                  <a:srgbClr val="FF0000"/>
+                </a:solidFill>
+              </a:rPr>
               <a:t> 창시자 </a:t>
             </a:r>
             <a:r>
-              <a:rPr lang="en-US" altLang="ko-KR" sz="2000" dirty="0"/>
+              <a:rPr lang="en-US" altLang="ko-KR" sz="2000" dirty="0">
+                <a:solidFill>
+                  <a:srgbClr val="FF0000"/>
+                </a:solidFill>
+              </a:rPr>
               <a:t>Dan Abramov</a:t>
             </a:r>
             <a:r>
-              <a:rPr lang="ko-KR" altLang="en-US" sz="2000" dirty="0"/>
+              <a:rPr lang="ko-KR" altLang="en-US" sz="2000" dirty="0">
+                <a:solidFill>
+                  <a:srgbClr val="FF0000"/>
+                </a:solidFill>
+              </a:rPr>
               <a:t>가 공유한 구조이긴 하나</a:t>
             </a:r>
             <a:r>
-              <a:rPr lang="en-US" altLang="ko-KR" sz="2000" dirty="0"/>
+              <a:rPr lang="en-US" altLang="ko-KR" sz="2000" dirty="0">
+                <a:solidFill>
+                  <a:srgbClr val="FF0000"/>
+                </a:solidFill>
+              </a:rPr>
               <a:t>, </a:t>
             </a:r>
             <a:r>
-              <a:rPr lang="ko-KR" altLang="en-US" sz="2000" dirty="0"/>
+              <a:rPr lang="ko-KR" altLang="en-US" sz="2000" dirty="0">
+                <a:solidFill>
+                  <a:srgbClr val="FF0000"/>
+                </a:solidFill>
+              </a:rPr>
               <a:t>무조건 따라야 할 규칙이 아닙니다</a:t>
             </a:r>
             <a:r>
-              <a:rPr lang="en-US" altLang="ko-KR" sz="2000" dirty="0"/>
+              <a:rPr lang="en-US" altLang="ko-KR" sz="2000" dirty="0">
+                <a:solidFill>
+                  <a:srgbClr val="FF0000"/>
+                </a:solidFill>
+              </a:rPr>
               <a:t>. </a:t>
             </a:r>
           </a:p>
@@ -8549,9 +8609,18 @@
               <a:buNone/>
             </a:pPr>
             <a:r>
-              <a:rPr lang="en-US" altLang="ko-KR" dirty="0"/>
+              <a:rPr lang="en-US" altLang="ko-KR" dirty="0">
+                <a:hlinkClick r:id="rId2"/>
+              </a:rPr>
               <a:t>https://heropy.blog/2018/11/24/css-flexible-box/</a:t>
             </a:r>
+            <a:endParaRPr lang="en-US" altLang="ko-KR" dirty="0"/>
+          </a:p>
+          <a:p>
+            <a:pPr marL="0" indent="0">
+              <a:buNone/>
+            </a:pPr>
+            <a:endParaRPr lang="en-US" altLang="ko-KR" dirty="0"/>
           </a:p>
           <a:p>
             <a:pPr marL="0" indent="0">
@@ -9140,43 +9209,6 @@
               <a:t>얘로 나머지 공간 다 채워라</a:t>
             </a:r>
             <a:endParaRPr lang="en-US" altLang="ko-KR" dirty="0"/>
-          </a:p>
-        </p:txBody>
-      </p:sp>
-      <p:sp>
-        <p:nvSpPr>
-          <p:cNvPr id="4" name="직사각형 3">
-            <a:extLst>
-              <a:ext uri="{FF2B5EF4-FFF2-40B4-BE49-F238E27FC236}">
-                <a16:creationId xmlns:a16="http://schemas.microsoft.com/office/drawing/2014/main" id="{9B0A4C53-8312-47B2-8446-F5171782B53F}"/>
-              </a:ext>
-            </a:extLst>
-          </p:cNvPr>
-          <p:cNvSpPr/>
-          <p:nvPr/>
-        </p:nvSpPr>
-        <p:spPr>
-          <a:xfrm>
-            <a:off x="4475716" y="3244334"/>
-            <a:ext cx="3240567" cy="369332"/>
-          </a:xfrm>
-          <a:prstGeom prst="rect">
-            <a:avLst/>
-          </a:prstGeom>
-        </p:spPr>
-        <p:txBody>
-          <a:bodyPr wrap="none">
-            <a:spAutoFit/>
-          </a:bodyPr>
-          <a:lstStyle/>
-          <a:p>
-            <a:r>
-              <a:rPr lang="en-US" altLang="ko-KR" dirty="0">
-                <a:hlinkClick r:id="rId2"/>
-              </a:rPr>
-              <a:t>http://flexboxfroggy.com/#ko</a:t>
-            </a:r>
-            <a:endParaRPr lang="ko-KR" altLang="en-US" dirty="0"/>
           </a:p>
         </p:txBody>
       </p:sp>
